--- a/RE6013 Team 10 Deliverables/RE6013 Team 10 Presentation Slides.pptx
+++ b/RE6013 Team 10 Deliverables/RE6013 Team 10 Presentation Slides.pptx
@@ -315,63 +315,6 @@
 </p:presentation>
 </file>
 
-<file path=ppt/changesInfos/changesInfo1.xml><?xml version="1.0" encoding="utf-8"?>
-<pc:chgInfo xmlns:a="http://schemas.openxmlformats.org/drawingml/2006/main" xmlns:r="http://schemas.openxmlformats.org/officeDocument/2006/relationships" xmlns:ac="http://schemas.microsoft.com/office/drawing/2013/main/command" xmlns:pc="http://schemas.microsoft.com/office/powerpoint/2013/main/command">
-  <pc:docChgLst>
-    <pc:chgData name="#ANG WAN QI#" userId="554e8ccf-a921-4ec0-a3a1-61660374d84c" providerId="ADAL" clId="{FE5E1463-7511-774B-A09B-47C7C472D333}"/>
-    <pc:docChg chg="custSel delSld modSld">
-      <pc:chgData name="#ANG WAN QI#" userId="554e8ccf-a921-4ec0-a3a1-61660374d84c" providerId="ADAL" clId="{FE5E1463-7511-774B-A09B-47C7C472D333}" dt="2021-04-04T13:20:34.693" v="1" actId="2696"/>
-      <pc:docMkLst>
-        <pc:docMk/>
-      </pc:docMkLst>
-      <pc:sldChg chg="delSp mod">
-        <pc:chgData name="#ANG WAN QI#" userId="554e8ccf-a921-4ec0-a3a1-61660374d84c" providerId="ADAL" clId="{FE5E1463-7511-774B-A09B-47C7C472D333}" dt="2021-04-04T13:20:14.570" v="0" actId="478"/>
-        <pc:sldMkLst>
-          <pc:docMk/>
-          <pc:sldMk cId="0" sldId="263"/>
-        </pc:sldMkLst>
-        <pc:spChg chg="del">
-          <ac:chgData name="#ANG WAN QI#" userId="554e8ccf-a921-4ec0-a3a1-61660374d84c" providerId="ADAL" clId="{FE5E1463-7511-774B-A09B-47C7C472D333}" dt="2021-04-04T13:20:14.570" v="0" actId="478"/>
-          <ac:spMkLst>
-            <pc:docMk/>
-            <pc:sldMk cId="0" sldId="263"/>
-            <ac:spMk id="162" creationId="{00000000-0000-0000-0000-000000000000}"/>
-          </ac:spMkLst>
-        </pc:spChg>
-      </pc:sldChg>
-      <pc:sldChg chg="del">
-        <pc:chgData name="#ANG WAN QI#" userId="554e8ccf-a921-4ec0-a3a1-61660374d84c" providerId="ADAL" clId="{FE5E1463-7511-774B-A09B-47C7C472D333}" dt="2021-04-04T13:20:34.693" v="1" actId="2696"/>
-        <pc:sldMkLst>
-          <pc:docMk/>
-          <pc:sldMk cId="0" sldId="296"/>
-        </pc:sldMkLst>
-      </pc:sldChg>
-      <pc:sldChg chg="del">
-        <pc:chgData name="#ANG WAN QI#" userId="554e8ccf-a921-4ec0-a3a1-61660374d84c" providerId="ADAL" clId="{FE5E1463-7511-774B-A09B-47C7C472D333}" dt="2021-04-04T13:20:34.693" v="1" actId="2696"/>
-        <pc:sldMkLst>
-          <pc:docMk/>
-          <pc:sldMk cId="0" sldId="297"/>
-        </pc:sldMkLst>
-      </pc:sldChg>
-      <pc:sldChg chg="del">
-        <pc:chgData name="#ANG WAN QI#" userId="554e8ccf-a921-4ec0-a3a1-61660374d84c" providerId="ADAL" clId="{FE5E1463-7511-774B-A09B-47C7C472D333}" dt="2021-04-04T13:20:34.693" v="1" actId="2696"/>
-        <pc:sldMkLst>
-          <pc:docMk/>
-          <pc:sldMk cId="0" sldId="298"/>
-        </pc:sldMkLst>
-      </pc:sldChg>
-      <pc:sldChg chg="del">
-        <pc:chgData name="#ANG WAN QI#" userId="554e8ccf-a921-4ec0-a3a1-61660374d84c" providerId="ADAL" clId="{FE5E1463-7511-774B-A09B-47C7C472D333}" dt="2021-04-04T13:20:34.693" v="1" actId="2696"/>
-        <pc:sldMkLst>
-          <pc:docMk/>
-          <pc:sldMk cId="0" sldId="299"/>
-        </pc:sldMkLst>
-      </pc:sldChg>
-    </pc:docChg>
-  </pc:docChgLst>
-</pc:chgInfo>
-</file>
-
 <file path=ppt/notesMasters/notesMaster1.xml><?xml version="1.0" encoding="utf-8"?>
 <p:notesMaster xmlns:a="http://schemas.openxmlformats.org/drawingml/2006/main" xmlns:r="http://schemas.openxmlformats.org/officeDocument/2006/relationships" xmlns:p="http://schemas.openxmlformats.org/presentationml/2006/main">
   <p:cSld>
@@ -1986,7 +1929,7 @@
         </p:nvSpPr>
         <p:spPr>
           <a:xfrm>
-            <a:off x="381300" y="685800"/>
+            <a:off x="381000" y="685800"/>
             <a:ext cx="6096000" cy="3429000"/>
           </a:xfrm>
           <a:custGeom>
@@ -15262,7 +15205,7 @@
         <p:spPr>
           <a:xfrm>
             <a:off x="854050" y="1076850"/>
-            <a:ext cx="6466800" cy="2989800"/>
+            <a:ext cx="6962082" cy="2989800"/>
           </a:xfrm>
           <a:prstGeom prst="rect">
             <a:avLst/>
@@ -15284,7 +15227,7 @@
               <a:buNone/>
             </a:pPr>
             <a:r>
-              <a:rPr lang="en" sz="3600">
+              <a:rPr lang="en" sz="3600" dirty="0">
                 <a:solidFill>
                   <a:srgbClr val="FFFFFF"/>
                 </a:solidFill>
@@ -15292,14 +15235,14 @@
               <a:t>01	</a:t>
             </a:r>
             <a:r>
-              <a:rPr lang="en" sz="2700">
+              <a:rPr lang="en" sz="2700" dirty="0">
                 <a:solidFill>
                   <a:srgbClr val="FFFFFF"/>
                 </a:solidFill>
               </a:rPr>
               <a:t>	What is Customer Churn? </a:t>
             </a:r>
-            <a:endParaRPr sz="2700">
+            <a:endParaRPr sz="2700" dirty="0">
               <a:solidFill>
                 <a:srgbClr val="FFFFFF"/>
               </a:solidFill>
@@ -15315,7 +15258,7 @@
               </a:spcAft>
               <a:buNone/>
             </a:pPr>
-            <a:endParaRPr sz="2700">
+            <a:endParaRPr sz="2700" dirty="0">
               <a:solidFill>
                 <a:srgbClr val="FFFFFF"/>
               </a:solidFill>
@@ -15332,7 +15275,7 @@
               <a:buNone/>
             </a:pPr>
             <a:r>
-              <a:rPr lang="en" sz="3600">
+              <a:rPr lang="en" sz="3600" dirty="0">
                 <a:solidFill>
                   <a:srgbClr val="FFFFFF"/>
                 </a:solidFill>
@@ -15340,14 +15283,14 @@
               <a:t>02</a:t>
             </a:r>
             <a:r>
-              <a:rPr lang="en" sz="2700">
+              <a:rPr lang="en" sz="2700" dirty="0">
                 <a:solidFill>
                   <a:srgbClr val="FFFFFF"/>
                 </a:solidFill>
               </a:rPr>
               <a:t>		Why is it important?</a:t>
             </a:r>
-            <a:endParaRPr sz="2700">
+            <a:endParaRPr sz="2700" dirty="0">
               <a:solidFill>
                 <a:srgbClr val="FFFFFF"/>
               </a:solidFill>
@@ -15363,7 +15306,7 @@
               </a:spcAft>
               <a:buNone/>
             </a:pPr>
-            <a:endParaRPr sz="2700">
+            <a:endParaRPr sz="2700" dirty="0">
               <a:solidFill>
                 <a:srgbClr val="FFFFFF"/>
               </a:solidFill>
@@ -15380,7 +15323,7 @@
               <a:buNone/>
             </a:pPr>
             <a:r>
-              <a:rPr lang="en" sz="3600">
+              <a:rPr lang="en" sz="3600" dirty="0">
                 <a:solidFill>
                   <a:srgbClr val="FFFFFF"/>
                 </a:solidFill>
@@ -15388,14 +15331,14 @@
               <a:t>03</a:t>
             </a:r>
             <a:r>
-              <a:rPr lang="en" sz="2700">
+              <a:rPr lang="en" sz="2700" dirty="0">
                 <a:solidFill>
                   <a:srgbClr val="FFFFFF"/>
                 </a:solidFill>
               </a:rPr>
               <a:t> 		How do we define high-risk?</a:t>
             </a:r>
-            <a:endParaRPr sz="2700">
+            <a:endParaRPr sz="2700" dirty="0">
               <a:solidFill>
                 <a:srgbClr val="FFFFFF"/>
               </a:solidFill>
